--- a/git/git-gitlab-usage.pptx
+++ b/git/git-gitlab-usage.pptx
@@ -5,10 +5,10 @@
     <p:sldMasterId id="2147484148" r:id="rId1"/>
   </p:sldMasterIdLst>
   <p:notesMasterIdLst>
-    <p:notesMasterId r:id="rId19"/>
+    <p:notesMasterId r:id="rId20"/>
   </p:notesMasterIdLst>
   <p:handoutMasterIdLst>
-    <p:handoutMasterId r:id="rId20"/>
+    <p:handoutMasterId r:id="rId21"/>
   </p:handoutMasterIdLst>
   <p:sldIdLst>
     <p:sldId id="256" r:id="rId2"/>
@@ -28,6 +28,7 @@
     <p:sldId id="268" r:id="rId16"/>
     <p:sldId id="271" r:id="rId17"/>
     <p:sldId id="267" r:id="rId18"/>
+    <p:sldId id="274" r:id="rId19"/>
   </p:sldIdLst>
   <p:sldSz cx="9144000" cy="6858000" type="screen4x3"/>
   <p:notesSz cx="6858000" cy="9144000"/>
@@ -211,7 +212,7 @@
           <a:p>
             <a:fld id="{D3E4723E-6A3F-5F41-8138-E10E5EE5B18C}" type="datetimeFigureOut">
               <a:rPr kumimoji="1" lang="zh-CN" altLang="en-US" smtClean="0"/>
-              <a:t>14/12/18</a:t>
+              <a:t>16/2/2</a:t>
             </a:fld>
             <a:endParaRPr kumimoji="1" lang="zh-CN" altLang="en-US"/>
           </a:p>
@@ -377,7 +378,7 @@
           <a:p>
             <a:fld id="{58613A4D-A3CA-2B44-8A5C-2D1E205D70FA}" type="datetimeFigureOut">
               <a:rPr kumimoji="1" lang="zh-CN" altLang="en-US" smtClean="0"/>
-              <a:t>14/12/18</a:t>
+              <a:t>16/2/2</a:t>
             </a:fld>
             <a:endParaRPr kumimoji="1" lang="zh-CN" altLang="en-US"/>
           </a:p>
@@ -2415,7 +2416,7 @@
           <a:p>
             <a:fld id="{154729D6-5E0C-C241-9DCE-F26D0DD4FF36}" type="datetime3">
               <a:rPr lang="zh-CN" altLang="en-US" smtClean="0"/>
-              <a:t>14年12月18日</a:t>
+              <a:t>16年2月2日</a:t>
             </a:fld>
             <a:endParaRPr lang="en-US"/>
           </a:p>
@@ -2642,7 +2643,7 @@
           <a:p>
             <a:fld id="{0B02D7AB-EE94-D547-870D-1056145E768A}" type="datetime3">
               <a:rPr kumimoji="1" lang="zh-CN" altLang="en-US" smtClean="0"/>
-              <a:t>14年12月18日</a:t>
+              <a:t>16年2月2日</a:t>
             </a:fld>
             <a:endParaRPr kumimoji="1" lang="zh-CN" altLang="en-US"/>
           </a:p>
@@ -2817,7 +2818,7 @@
           <a:p>
             <a:fld id="{DC12E8C5-BD66-AB4E-AF77-A3454FC056BD}" type="datetime3">
               <a:rPr kumimoji="1" lang="zh-CN" altLang="en-US" smtClean="0"/>
-              <a:t>14年12月18日</a:t>
+              <a:t>16年2月2日</a:t>
             </a:fld>
             <a:endParaRPr kumimoji="1" lang="zh-CN" altLang="en-US"/>
           </a:p>
@@ -2982,7 +2983,7 @@
           <a:p>
             <a:fld id="{D4CCAD1D-F577-E846-8D6C-4B60E0E65113}" type="datetime3">
               <a:rPr kumimoji="1" lang="zh-CN" altLang="en-US" smtClean="0"/>
-              <a:t>14年12月18日</a:t>
+              <a:t>16年2月2日</a:t>
             </a:fld>
             <a:endParaRPr kumimoji="1" lang="zh-CN" altLang="en-US"/>
           </a:p>
@@ -3223,7 +3224,7 @@
           <a:p>
             <a:fld id="{E15B5C97-B947-D14F-BF93-C8A56C0EDBA5}" type="datetime3">
               <a:rPr lang="zh-CN" altLang="en-US" smtClean="0"/>
-              <a:t>14年12月18日</a:t>
+              <a:t>16年2月2日</a:t>
             </a:fld>
             <a:endParaRPr lang="en-US"/>
           </a:p>
@@ -3337,7 +3338,7 @@
           <a:p>
             <a:fld id="{4B8295C2-CCE8-584A-B951-ABD47299C1A2}" type="datetime3">
               <a:rPr kumimoji="1" lang="zh-CN" altLang="en-US" smtClean="0"/>
-              <a:t>14年12月18日</a:t>
+              <a:t>16年2月2日</a:t>
             </a:fld>
             <a:endParaRPr kumimoji="1" lang="zh-CN" altLang="en-US"/>
           </a:p>
@@ -3714,7 +3715,7 @@
           <a:p>
             <a:fld id="{86200AA3-C134-D547-A42E-30522BF05F19}" type="datetime3">
               <a:rPr kumimoji="1" lang="zh-CN" altLang="en-US" smtClean="0"/>
-              <a:t>14年12月18日</a:t>
+              <a:t>16年2月2日</a:t>
             </a:fld>
             <a:endParaRPr kumimoji="1" lang="zh-CN" altLang="en-US"/>
           </a:p>
@@ -9359,7 +9360,7 @@
           <a:p>
             <a:fld id="{8635C6FD-8AEE-6649-9152-8B767873C0BE}" type="datetime3">
               <a:rPr kumimoji="1" lang="zh-CN" altLang="en-US" smtClean="0"/>
-              <a:t>14年12月18日</a:t>
+              <a:t>16年2月2日</a:t>
             </a:fld>
             <a:endParaRPr kumimoji="1" lang="zh-CN" altLang="en-US"/>
           </a:p>
@@ -9449,7 +9450,7 @@
           <a:p>
             <a:fld id="{D765B9C2-6984-E04A-AF37-BA62349771F0}" type="datetime3">
               <a:rPr kumimoji="1" lang="zh-CN" altLang="en-US" smtClean="0"/>
-              <a:t>14年12月18日</a:t>
+              <a:t>16年2月2日</a:t>
             </a:fld>
             <a:endParaRPr kumimoji="1" lang="zh-CN" altLang="en-US"/>
           </a:p>
@@ -9721,7 +9722,7 @@
           <a:p>
             <a:fld id="{7F03FE65-F4CE-3249-8C13-33572B942B0B}" type="datetime3">
               <a:rPr kumimoji="1" lang="zh-CN" altLang="en-US" smtClean="0"/>
-              <a:t>14年12月18日</a:t>
+              <a:t>16年2月2日</a:t>
             </a:fld>
             <a:endParaRPr kumimoji="1" lang="zh-CN" altLang="en-US"/>
           </a:p>
@@ -10029,7 +10030,7 @@
           <a:p>
             <a:fld id="{3CC59E77-D000-2A4A-8190-C86F9AAA652D}" type="datetime3">
               <a:rPr kumimoji="1" lang="zh-CN" altLang="en-US" smtClean="0"/>
-              <a:t>14年12月18日</a:t>
+              <a:t>16年2月2日</a:t>
             </a:fld>
             <a:endParaRPr kumimoji="1" lang="zh-CN" altLang="en-US"/>
           </a:p>
@@ -10266,7 +10267,7 @@
           <a:p>
             <a:fld id="{269C626F-8ECC-AB44-8B96-A3F5D387107C}" type="datetime3">
               <a:rPr kumimoji="1" lang="zh-CN" altLang="en-US" smtClean="0"/>
-              <a:t>14年12月18日</a:t>
+              <a:t>16年2月2日</a:t>
             </a:fld>
             <a:endParaRPr kumimoji="1" lang="zh-CN" altLang="en-US"/>
           </a:p>
@@ -10928,9 +10929,16 @@
             <p:ph idx="1"/>
           </p:nvPr>
         </p:nvSpPr>
-        <p:spPr/>
+        <p:spPr>
+          <a:xfrm>
+            <a:off x="838200" y="2038388"/>
+            <a:ext cx="7467600" cy="4475612"/>
+          </a:xfrm>
+        </p:spPr>
         <p:txBody>
-          <a:bodyPr/>
+          <a:bodyPr>
+            <a:normAutofit/>
+          </a:bodyPr>
           <a:lstStyle/>
           <a:p>
             <a:pPr>
@@ -10938,11 +10946,23 @@
               <a:buChar char="Ø"/>
             </a:pPr>
             <a:r>
+              <a:rPr kumimoji="1" lang="en-US" altLang="zh-CN" dirty="0" err="1" smtClean="0"/>
+              <a:t>S</a:t>
+            </a:r>
+            <a:r>
+              <a:rPr kumimoji="1" lang="en-US" altLang="zh-CN" dirty="0" err="1" smtClean="0"/>
+              <a:t>mart</a:t>
+            </a:r>
+            <a:r>
+              <a:rPr kumimoji="1" lang="en-US" altLang="zh-CN" dirty="0" err="1" smtClean="0"/>
+              <a:t>G</a:t>
+            </a:r>
+            <a:r>
+              <a:rPr kumimoji="1" lang="en-US" altLang="zh-CN" dirty="0" err="1" smtClean="0"/>
+              <a:t>it</a:t>
+            </a:r>
+            <a:r>
               <a:rPr kumimoji="1" lang="en-US" altLang="zh-CN" dirty="0" smtClean="0"/>
-              <a:t>smartgit</a:t>
-            </a:r>
-            <a:r>
-              <a:rPr kumimoji="1" lang="en-US" altLang="zh-CN" dirty="0"/>
               <a:t> </a:t>
             </a:r>
             <a:r>
@@ -11035,8 +11055,8 @@
               <a:t>个版本的差异（即</a:t>
             </a:r>
             <a:r>
-              <a:rPr kumimoji="1" lang="en-US" altLang="zh-CN" dirty="0" err="1" smtClean="0"/>
-              <a:t>CodeReview</a:t>
+              <a:rPr kumimoji="1" lang="en-US" altLang="zh-CN" dirty="0" smtClean="0"/>
+              <a:t>Code Review</a:t>
             </a:r>
             <a:r>
               <a:rPr kumimoji="1" lang="zh-CN" altLang="en-US" dirty="0" smtClean="0"/>
@@ -11059,6 +11079,17 @@
             <a:r>
               <a:rPr kumimoji="1" lang="zh-CN" altLang="en-US" dirty="0" smtClean="0"/>
               <a:t>调整提交</a:t>
+            </a:r>
+            <a:endParaRPr kumimoji="1" lang="en-US" altLang="zh-CN" dirty="0" smtClean="0"/>
+          </a:p>
+          <a:p>
+            <a:pPr>
+              <a:buFont typeface="Wingdings" charset="2"/>
+              <a:buChar char="Ø"/>
+            </a:pPr>
+            <a:r>
+              <a:rPr kumimoji="1" lang="zh-CN" altLang="zh-CN" dirty="0"/>
+              <a:t>……</a:t>
             </a:r>
             <a:endParaRPr kumimoji="1" lang="en-US" altLang="zh-CN" dirty="0" smtClean="0"/>
           </a:p>
@@ -12363,11 +12394,7 @@
             </a:pPr>
             <a:r>
               <a:rPr kumimoji="1" lang="zh-CN" altLang="en-US" dirty="0" smtClean="0"/>
-              <a:t>任务</a:t>
-            </a:r>
-            <a:r>
-              <a:rPr kumimoji="1" lang="zh-CN" altLang="en-US" dirty="0" smtClean="0"/>
-              <a:t>分派</a:t>
+              <a:t>任务分派</a:t>
             </a:r>
             <a:endParaRPr kumimoji="1" lang="en-US" altLang="zh-CN" dirty="0" smtClean="0"/>
           </a:p>
@@ -13735,6 +13762,160 @@
 </p:sld>
 </file>
 
+<file path=ppt/slides/slide18.xml><?xml version="1.0" encoding="utf-8"?>
+<p:sld xmlns:a="http://schemas.openxmlformats.org/drawingml/2006/main" xmlns:r="http://schemas.openxmlformats.org/officeDocument/2006/relationships" xmlns:p="http://schemas.openxmlformats.org/presentationml/2006/main">
+  <p:cSld>
+    <p:spTree>
+      <p:nvGrpSpPr>
+        <p:cNvPr id="1" name=""/>
+        <p:cNvGrpSpPr/>
+        <p:nvPr/>
+      </p:nvGrpSpPr>
+      <p:grpSpPr>
+        <a:xfrm>
+          <a:off x="0" y="0"/>
+          <a:ext cx="0" cy="0"/>
+          <a:chOff x="0" y="0"/>
+          <a:chExt cx="0" cy="0"/>
+        </a:xfrm>
+      </p:grpSpPr>
+      <p:pic>
+        <p:nvPicPr>
+          <p:cNvPr id="5" name="图片 4"/>
+          <p:cNvPicPr>
+            <a:picLocks noChangeAspect="1"/>
+          </p:cNvPicPr>
+          <p:nvPr/>
+        </p:nvPicPr>
+        <p:blipFill>
+          <a:blip r:embed="rId2"/>
+          <a:stretch>
+            <a:fillRect/>
+          </a:stretch>
+        </p:blipFill>
+        <p:spPr>
+          <a:xfrm>
+            <a:off x="5527432" y="3339028"/>
+            <a:ext cx="3065288" cy="2809847"/>
+          </a:xfrm>
+          <a:prstGeom prst="rect">
+            <a:avLst/>
+          </a:prstGeom>
+        </p:spPr>
+      </p:pic>
+      <p:sp>
+        <p:nvSpPr>
+          <p:cNvPr id="2" name="标题 1"/>
+          <p:cNvSpPr>
+            <a:spLocks noGrp="1"/>
+          </p:cNvSpPr>
+          <p:nvPr>
+            <p:ph type="title"/>
+          </p:nvPr>
+        </p:nvSpPr>
+        <p:spPr/>
+        <p:txBody>
+          <a:bodyPr/>
+          <a:lstStyle/>
+          <a:p>
+            <a:endParaRPr kumimoji="1" lang="zh-CN" altLang="en-US" dirty="0"/>
+          </a:p>
+        </p:txBody>
+      </p:sp>
+      <p:sp>
+        <p:nvSpPr>
+          <p:cNvPr id="3" name="内容占位符 2"/>
+          <p:cNvSpPr>
+            <a:spLocks noGrp="1"/>
+          </p:cNvSpPr>
+          <p:nvPr>
+            <p:ph idx="1"/>
+          </p:nvPr>
+        </p:nvSpPr>
+        <p:spPr>
+          <a:xfrm>
+            <a:off x="838200" y="2038389"/>
+            <a:ext cx="5486217" cy="1671188"/>
+          </a:xfrm>
+        </p:spPr>
+        <p:txBody>
+          <a:bodyPr>
+            <a:noAutofit/>
+          </a:bodyPr>
+          <a:lstStyle/>
+          <a:p>
+            <a:pPr marL="0" indent="0" algn="ctr">
+              <a:buNone/>
+            </a:pPr>
+            <a:r>
+              <a:rPr kumimoji="1" lang="en-US" altLang="zh-CN" sz="4000" dirty="0" smtClean="0"/>
+              <a:t>Thank you</a:t>
+            </a:r>
+          </a:p>
+          <a:p>
+            <a:pPr marL="0" indent="0" algn="ctr">
+              <a:buNone/>
+            </a:pPr>
+            <a:r>
+              <a:rPr kumimoji="1" lang="en-US" altLang="zh-CN" sz="4000" dirty="0" smtClean="0"/>
+              <a:t>&amp;</a:t>
+            </a:r>
+          </a:p>
+          <a:p>
+            <a:pPr marL="0" indent="0" algn="ctr">
+              <a:buNone/>
+            </a:pPr>
+            <a:r>
+              <a:rPr kumimoji="1" lang="en-US" altLang="zh-CN" sz="4000" dirty="0" smtClean="0"/>
+              <a:t>QA</a:t>
+            </a:r>
+            <a:endParaRPr kumimoji="1" lang="zh-CN" altLang="en-US" sz="4000" dirty="0"/>
+          </a:p>
+        </p:txBody>
+      </p:sp>
+      <p:sp>
+        <p:nvSpPr>
+          <p:cNvPr id="4" name="幻灯片编号占位符 3"/>
+          <p:cNvSpPr>
+            <a:spLocks noGrp="1"/>
+          </p:cNvSpPr>
+          <p:nvPr>
+            <p:ph type="sldNum" sz="quarter" idx="12"/>
+          </p:nvPr>
+        </p:nvSpPr>
+        <p:spPr/>
+        <p:txBody>
+          <a:bodyPr/>
+          <a:lstStyle/>
+          <a:p>
+            <a:fld id="{31835B38-1CEB-D84F-B3FE-052700FFDDB8}" type="slidenum">
+              <a:rPr kumimoji="1" lang="zh-CN" altLang="en-US" smtClean="0"/>
+              <a:t>17</a:t>
+            </a:fld>
+            <a:endParaRPr kumimoji="1" lang="zh-CN" altLang="en-US"/>
+          </a:p>
+        </p:txBody>
+      </p:sp>
+    </p:spTree>
+    <p:extLst>
+      <p:ext uri="{BB962C8B-B14F-4D97-AF65-F5344CB8AC3E}">
+        <p14:creationId xmlns:p14="http://schemas.microsoft.com/office/powerpoint/2010/main" val="279427839"/>
+      </p:ext>
+    </p:extLst>
+  </p:cSld>
+  <p:clrMapOvr>
+    <a:masterClrMapping/>
+  </p:clrMapOvr>
+  <p:timing>
+    <p:tnLst>
+      <p:par>
+        <p:cTn xmlns:p14="http://schemas.microsoft.com/office/powerpoint/2010/main" id="1" dur="indefinite" restart="never" nodeType="tmRoot"/>
+      </p:par>
+    </p:tnLst>
+  </p:timing>
+</p:sld>
+</file>
+
 <file path=ppt/slides/slide2.xml><?xml version="1.0" encoding="utf-8"?>
 <p:sld xmlns:a="http://schemas.openxmlformats.org/drawingml/2006/main" xmlns:r="http://schemas.openxmlformats.org/officeDocument/2006/relationships" xmlns:p="http://schemas.openxmlformats.org/presentationml/2006/main">
   <p:cSld>
@@ -13988,11 +14169,7 @@
             </a:pPr>
             <a:r>
               <a:rPr kumimoji="1" lang="zh-CN" altLang="en-US" dirty="0" smtClean="0"/>
-              <a:t>像</a:t>
-            </a:r>
-            <a:r>
-              <a:rPr kumimoji="1" lang="zh-CN" altLang="en-US" dirty="0" smtClean="0"/>
-              <a:t>神一样</a:t>
+              <a:t>像神一样</a:t>
             </a:r>
             <a:r>
               <a:rPr kumimoji="1" lang="zh-CN" altLang="en-US" dirty="0"/>
@@ -15443,15 +15620,7 @@
             </a:r>
             <a:r>
               <a:rPr kumimoji="1" lang="zh-CN" altLang="en-US" dirty="0" smtClean="0"/>
-              <a:t>像</a:t>
-            </a:r>
-            <a:r>
-              <a:rPr kumimoji="1" lang="zh-CN" altLang="en-US" dirty="0" smtClean="0"/>
-              <a:t>神一样</a:t>
-            </a:r>
-            <a:r>
-              <a:rPr kumimoji="1" lang="zh-CN" altLang="en-US" dirty="0" smtClean="0"/>
-              <a:t>的使用</a:t>
+              <a:t>像神一样的使用</a:t>
             </a:r>
             <a:endParaRPr kumimoji="1" lang="zh-CN" altLang="en-US" dirty="0"/>
           </a:p>

--- a/git/git-gitlab-usage.pptx
+++ b/git/git-gitlab-usage.pptx
@@ -5,10 +5,10 @@
     <p:sldMasterId id="2147484148" r:id="rId1"/>
   </p:sldMasterIdLst>
   <p:notesMasterIdLst>
-    <p:notesMasterId r:id="rId20"/>
+    <p:notesMasterId r:id="rId21"/>
   </p:notesMasterIdLst>
   <p:handoutMasterIdLst>
-    <p:handoutMasterId r:id="rId21"/>
+    <p:handoutMasterId r:id="rId22"/>
   </p:handoutMasterIdLst>
   <p:sldIdLst>
     <p:sldId id="256" r:id="rId2"/>
@@ -28,7 +28,8 @@
     <p:sldId id="268" r:id="rId16"/>
     <p:sldId id="271" r:id="rId17"/>
     <p:sldId id="267" r:id="rId18"/>
-    <p:sldId id="274" r:id="rId19"/>
+    <p:sldId id="275" r:id="rId19"/>
+    <p:sldId id="274" r:id="rId20"/>
   </p:sldIdLst>
   <p:sldSz cx="9144000" cy="6858000" type="screen4x3"/>
   <p:notesSz cx="6858000" cy="9144000"/>
@@ -212,7 +213,7 @@
           <a:p>
             <a:fld id="{D3E4723E-6A3F-5F41-8138-E10E5EE5B18C}" type="datetimeFigureOut">
               <a:rPr kumimoji="1" lang="zh-CN" altLang="en-US" smtClean="0"/>
-              <a:t>16/2/2</a:t>
+              <a:t>16/2/24</a:t>
             </a:fld>
             <a:endParaRPr kumimoji="1" lang="zh-CN" altLang="en-US"/>
           </a:p>
@@ -378,7 +379,7 @@
           <a:p>
             <a:fld id="{58613A4D-A3CA-2B44-8A5C-2D1E205D70FA}" type="datetimeFigureOut">
               <a:rPr kumimoji="1" lang="zh-CN" altLang="en-US" smtClean="0"/>
-              <a:t>16/2/2</a:t>
+              <a:t>16/2/24</a:t>
             </a:fld>
             <a:endParaRPr kumimoji="1" lang="zh-CN" altLang="en-US"/>
           </a:p>
@@ -2416,7 +2417,7 @@
           <a:p>
             <a:fld id="{154729D6-5E0C-C241-9DCE-F26D0DD4FF36}" type="datetime3">
               <a:rPr lang="zh-CN" altLang="en-US" smtClean="0"/>
-              <a:t>16年2月2日</a:t>
+              <a:t>16年2月24日</a:t>
             </a:fld>
             <a:endParaRPr lang="en-US"/>
           </a:p>
@@ -2643,7 +2644,7 @@
           <a:p>
             <a:fld id="{0B02D7AB-EE94-D547-870D-1056145E768A}" type="datetime3">
               <a:rPr kumimoji="1" lang="zh-CN" altLang="en-US" smtClean="0"/>
-              <a:t>16年2月2日</a:t>
+              <a:t>16年2月24日</a:t>
             </a:fld>
             <a:endParaRPr kumimoji="1" lang="zh-CN" altLang="en-US"/>
           </a:p>
@@ -2818,7 +2819,7 @@
           <a:p>
             <a:fld id="{DC12E8C5-BD66-AB4E-AF77-A3454FC056BD}" type="datetime3">
               <a:rPr kumimoji="1" lang="zh-CN" altLang="en-US" smtClean="0"/>
-              <a:t>16年2月2日</a:t>
+              <a:t>16年2月24日</a:t>
             </a:fld>
             <a:endParaRPr kumimoji="1" lang="zh-CN" altLang="en-US"/>
           </a:p>
@@ -2983,7 +2984,7 @@
           <a:p>
             <a:fld id="{D4CCAD1D-F577-E846-8D6C-4B60E0E65113}" type="datetime3">
               <a:rPr kumimoji="1" lang="zh-CN" altLang="en-US" smtClean="0"/>
-              <a:t>16年2月2日</a:t>
+              <a:t>16年2月24日</a:t>
             </a:fld>
             <a:endParaRPr kumimoji="1" lang="zh-CN" altLang="en-US"/>
           </a:p>
@@ -3224,7 +3225,7 @@
           <a:p>
             <a:fld id="{E15B5C97-B947-D14F-BF93-C8A56C0EDBA5}" type="datetime3">
               <a:rPr lang="zh-CN" altLang="en-US" smtClean="0"/>
-              <a:t>16年2月2日</a:t>
+              <a:t>16年2月24日</a:t>
             </a:fld>
             <a:endParaRPr lang="en-US"/>
           </a:p>
@@ -3338,7 +3339,7 @@
           <a:p>
             <a:fld id="{4B8295C2-CCE8-584A-B951-ABD47299C1A2}" type="datetime3">
               <a:rPr kumimoji="1" lang="zh-CN" altLang="en-US" smtClean="0"/>
-              <a:t>16年2月2日</a:t>
+              <a:t>16年2月24日</a:t>
             </a:fld>
             <a:endParaRPr kumimoji="1" lang="zh-CN" altLang="en-US"/>
           </a:p>
@@ -3715,7 +3716,7 @@
           <a:p>
             <a:fld id="{86200AA3-C134-D547-A42E-30522BF05F19}" type="datetime3">
               <a:rPr kumimoji="1" lang="zh-CN" altLang="en-US" smtClean="0"/>
-              <a:t>16年2月2日</a:t>
+              <a:t>16年2月24日</a:t>
             </a:fld>
             <a:endParaRPr kumimoji="1" lang="zh-CN" altLang="en-US"/>
           </a:p>
@@ -9360,7 +9361,7 @@
           <a:p>
             <a:fld id="{8635C6FD-8AEE-6649-9152-8B767873C0BE}" type="datetime3">
               <a:rPr kumimoji="1" lang="zh-CN" altLang="en-US" smtClean="0"/>
-              <a:t>16年2月2日</a:t>
+              <a:t>16年2月24日</a:t>
             </a:fld>
             <a:endParaRPr kumimoji="1" lang="zh-CN" altLang="en-US"/>
           </a:p>
@@ -9450,7 +9451,7 @@
           <a:p>
             <a:fld id="{D765B9C2-6984-E04A-AF37-BA62349771F0}" type="datetime3">
               <a:rPr kumimoji="1" lang="zh-CN" altLang="en-US" smtClean="0"/>
-              <a:t>16年2月2日</a:t>
+              <a:t>16年2月24日</a:t>
             </a:fld>
             <a:endParaRPr kumimoji="1" lang="zh-CN" altLang="en-US"/>
           </a:p>
@@ -9722,7 +9723,7 @@
           <a:p>
             <a:fld id="{7F03FE65-F4CE-3249-8C13-33572B942B0B}" type="datetime3">
               <a:rPr kumimoji="1" lang="zh-CN" altLang="en-US" smtClean="0"/>
-              <a:t>16年2月2日</a:t>
+              <a:t>16年2月24日</a:t>
             </a:fld>
             <a:endParaRPr kumimoji="1" lang="zh-CN" altLang="en-US"/>
           </a:p>
@@ -10030,7 +10031,7 @@
           <a:p>
             <a:fld id="{3CC59E77-D000-2A4A-8190-C86F9AAA652D}" type="datetime3">
               <a:rPr kumimoji="1" lang="zh-CN" altLang="en-US" smtClean="0"/>
-              <a:t>16年2月2日</a:t>
+              <a:t>16年2月24日</a:t>
             </a:fld>
             <a:endParaRPr kumimoji="1" lang="zh-CN" altLang="en-US"/>
           </a:p>
@@ -10267,7 +10268,7 @@
           <a:p>
             <a:fld id="{269C626F-8ECC-AB44-8B96-A3F5D387107C}" type="datetime3">
               <a:rPr kumimoji="1" lang="zh-CN" altLang="en-US" smtClean="0"/>
-              <a:t>16年2月2日</a:t>
+              <a:t>16年2月24日</a:t>
             </a:fld>
             <a:endParaRPr kumimoji="1" lang="zh-CN" altLang="en-US"/>
           </a:p>
@@ -10947,19 +10948,7 @@
             </a:pPr>
             <a:r>
               <a:rPr kumimoji="1" lang="en-US" altLang="zh-CN" dirty="0" err="1" smtClean="0"/>
-              <a:t>S</a:t>
-            </a:r>
-            <a:r>
-              <a:rPr kumimoji="1" lang="en-US" altLang="zh-CN" dirty="0" err="1" smtClean="0"/>
-              <a:t>mart</a:t>
-            </a:r>
-            <a:r>
-              <a:rPr kumimoji="1" lang="en-US" altLang="zh-CN" dirty="0" err="1" smtClean="0"/>
-              <a:t>G</a:t>
-            </a:r>
-            <a:r>
-              <a:rPr kumimoji="1" lang="en-US" altLang="zh-CN" dirty="0" err="1" smtClean="0"/>
-              <a:t>it</a:t>
+              <a:t>SmartGit</a:t>
             </a:r>
             <a:r>
               <a:rPr kumimoji="1" lang="en-US" altLang="zh-CN" dirty="0" smtClean="0"/>
@@ -13356,7 +13345,7 @@
               <a:t>集成</a:t>
             </a:r>
             <a:r>
-              <a:rPr kumimoji="1" lang="en-US" altLang="zh-CN" dirty="0" smtClean="0"/>
+              <a:rPr kumimoji="1" lang="en-US" altLang="zh-CN" dirty="0" err="1" smtClean="0"/>
               <a:t>Github</a:t>
             </a:r>
             <a:r>
@@ -13369,7 +13358,7 @@
             </a:r>
             <a:r>
               <a:rPr kumimoji="1" lang="zh-CN" altLang="en-US" dirty="0" smtClean="0"/>
-              <a:t>服务：</a:t>
+              <a:t>（持续集成）服务：</a:t>
             </a:r>
             <a:r>
               <a:rPr kumimoji="1" lang="en-US" altLang="zh-CN" dirty="0" smtClean="0"/>
@@ -13440,7 +13429,7 @@
             </a:r>
             <a:r>
               <a:rPr kumimoji="1" lang="zh-CN" altLang="en-US" dirty="0" smtClean="0"/>
-              <a:t>服务：</a:t>
+              <a:t>（代码覆盖率）服务：</a:t>
             </a:r>
             <a:r>
               <a:rPr kumimoji="1" lang="en-US" altLang="zh-CN" dirty="0"/>
@@ -13458,6 +13447,22 @@
             <a:r>
               <a:rPr kumimoji="1" lang="en-US" altLang="zh-CN" dirty="0" smtClean="0">
                 <a:hlinkClick r:id="rId4"/>
+              </a:rPr>
+              <a:t>/</a:t>
+            </a:r>
+            <a:r>
+              <a:rPr kumimoji="1" lang="en-US" altLang="zh-CN" dirty="0"/>
+              <a:t> | </a:t>
+            </a:r>
+            <a:r>
+              <a:rPr kumimoji="1" lang="en-US" altLang="zh-CN" dirty="0">
+                <a:hlinkClick r:id="rId5"/>
+              </a:rPr>
+              <a:t>https://codecov.io</a:t>
+            </a:r>
+            <a:r>
+              <a:rPr kumimoji="1" lang="en-US" altLang="zh-CN" dirty="0" smtClean="0">
+                <a:hlinkClick r:id="rId5"/>
               </a:rPr>
               <a:t>/</a:t>
             </a:r>
@@ -13496,7 +13501,7 @@
             </a:br>
             <a:r>
               <a:rPr kumimoji="1" lang="en-US" altLang="zh-CN" dirty="0" smtClean="0">
-                <a:hlinkClick r:id="rId5"/>
+                <a:hlinkClick r:id="rId6"/>
               </a:rPr>
               <a:t>http://gitlab-ci.alibaba-inc.com/</a:t>
             </a:r>
@@ -13779,6 +13784,254 @@
           <a:chExt cx="0" cy="0"/>
         </a:xfrm>
       </p:grpSpPr>
+      <p:sp>
+        <p:nvSpPr>
+          <p:cNvPr id="2" name="标题 1"/>
+          <p:cNvSpPr>
+            <a:spLocks noGrp="1"/>
+          </p:cNvSpPr>
+          <p:nvPr>
+            <p:ph type="title"/>
+          </p:nvPr>
+        </p:nvSpPr>
+        <p:spPr/>
+        <p:txBody>
+          <a:bodyPr/>
+          <a:lstStyle/>
+          <a:p>
+            <a:r>
+              <a:rPr kumimoji="1" lang="zh-CN" altLang="en-US" dirty="0" smtClean="0"/>
+              <a:t>资源索引</a:t>
+            </a:r>
+            <a:endParaRPr kumimoji="1" lang="zh-CN" altLang="en-US" dirty="0"/>
+          </a:p>
+        </p:txBody>
+      </p:sp>
+      <p:sp>
+        <p:nvSpPr>
+          <p:cNvPr id="3" name="内容占位符 2"/>
+          <p:cNvSpPr>
+            <a:spLocks noGrp="1"/>
+          </p:cNvSpPr>
+          <p:nvPr>
+            <p:ph idx="1"/>
+          </p:nvPr>
+        </p:nvSpPr>
+        <p:spPr/>
+        <p:txBody>
+          <a:bodyPr/>
+          <a:lstStyle/>
+          <a:p>
+            <a:r>
+              <a:rPr kumimoji="1" lang="en-US" altLang="zh-CN" dirty="0" err="1"/>
+              <a:t>Git</a:t>
+            </a:r>
+            <a:r>
+              <a:rPr kumimoji="1" lang="zh-CN" altLang="en-US" dirty="0" smtClean="0"/>
+              <a:t>资料汇总</a:t>
+            </a:r>
+            <a:r>
+              <a:rPr kumimoji="1" lang="en-US" altLang="zh-CN" dirty="0" smtClean="0"/>
+              <a:t> </a:t>
+            </a:r>
+            <a:r>
+              <a:rPr kumimoji="1" lang="en-US" altLang="zh-CN" dirty="0" smtClean="0">
+                <a:hlinkClick r:id="rId2"/>
+              </a:rPr>
+              <a:t>https</a:t>
+            </a:r>
+            <a:r>
+              <a:rPr kumimoji="1" lang="en-US" altLang="zh-CN" dirty="0">
+                <a:hlinkClick r:id="rId2"/>
+              </a:rPr>
+              <a:t>://github.com/xirong/my-</a:t>
+            </a:r>
+            <a:r>
+              <a:rPr kumimoji="1" lang="en-US" altLang="zh-CN" dirty="0" smtClean="0">
+                <a:hlinkClick r:id="rId2"/>
+              </a:rPr>
+              <a:t>git</a:t>
+            </a:r>
+            <a:r>
+              <a:rPr kumimoji="1" lang="en-US" altLang="zh-CN" dirty="0" smtClean="0"/>
+              <a:t> </a:t>
+            </a:r>
+            <a:r>
+              <a:rPr kumimoji="1" lang="zh-CN" altLang="en-US" dirty="0" smtClean="0"/>
+              <a:t>丰富！</a:t>
+            </a:r>
+            <a:endParaRPr kumimoji="1" lang="zh-CN" altLang="en-US" dirty="0"/>
+          </a:p>
+          <a:p>
+            <a:pPr lvl="1"/>
+            <a:r>
+              <a:rPr kumimoji="1" lang="en-US" altLang="zh-CN" b="1" dirty="0" err="1" smtClean="0">
+                <a:solidFill>
+                  <a:srgbClr val="000090"/>
+                </a:solidFill>
+              </a:rPr>
+              <a:t>zsh</a:t>
+            </a:r>
+            <a:r>
+              <a:rPr kumimoji="1" lang="en-US" altLang="zh-CN" b="1" dirty="0" smtClean="0">
+                <a:solidFill>
+                  <a:srgbClr val="000090"/>
+                </a:solidFill>
+              </a:rPr>
+              <a:t> </a:t>
+            </a:r>
+            <a:r>
+              <a:rPr kumimoji="1" lang="en-US" altLang="zh-CN" dirty="0"/>
+              <a:t>+ </a:t>
+            </a:r>
+            <a:r>
+              <a:rPr kumimoji="1" lang="en-US" altLang="zh-CN" b="1" dirty="0">
+                <a:solidFill>
+                  <a:srgbClr val="000090"/>
+                </a:solidFill>
+                <a:hlinkClick r:id="rId3"/>
+              </a:rPr>
+              <a:t>oh-my-zsh</a:t>
+            </a:r>
+            <a:endParaRPr kumimoji="1" lang="en-US" altLang="zh-CN" dirty="0" smtClean="0">
+              <a:hlinkClick r:id="rId4"/>
+            </a:endParaRPr>
+          </a:p>
+          <a:p>
+            <a:pPr lvl="1"/>
+            <a:r>
+              <a:rPr kumimoji="1" lang="en-US" altLang="zh-CN" dirty="0" smtClean="0">
+                <a:hlinkClick r:id="rId4"/>
+              </a:rPr>
+              <a:t>https</a:t>
+            </a:r>
+            <a:r>
+              <a:rPr kumimoji="1" lang="en-US" altLang="zh-CN" dirty="0">
+                <a:hlinkClick r:id="rId4"/>
+              </a:rPr>
+              <a:t>://github.com/oldratlee/why-</a:t>
+            </a:r>
+            <a:r>
+              <a:rPr kumimoji="1" lang="en-US" altLang="zh-CN" dirty="0" smtClean="0">
+                <a:hlinkClick r:id="rId4"/>
+              </a:rPr>
+              <a:t>git</a:t>
+            </a:r>
+            <a:endParaRPr kumimoji="1" lang="en-US" altLang="zh-CN" dirty="0" smtClean="0"/>
+          </a:p>
+          <a:p>
+            <a:pPr lvl="1"/>
+            <a:r>
+              <a:rPr kumimoji="1" lang="en-US" altLang="zh-CN" dirty="0">
+                <a:hlinkClick r:id="rId5"/>
+              </a:rPr>
+              <a:t>Git</a:t>
+            </a:r>
+            <a:r>
+              <a:rPr kumimoji="1" lang="zh-CN" altLang="en-US" dirty="0">
+                <a:hlinkClick r:id="rId5"/>
+              </a:rPr>
+              <a:t>工作流</a:t>
+            </a:r>
+            <a:r>
+              <a:rPr kumimoji="1" lang="zh-CN" altLang="en-US" dirty="0" smtClean="0">
+                <a:hlinkClick r:id="rId5"/>
+              </a:rPr>
+              <a:t>指南</a:t>
+            </a:r>
+            <a:endParaRPr kumimoji="1" lang="en-US" altLang="zh-CN" dirty="0" smtClean="0"/>
+          </a:p>
+          <a:p>
+            <a:r>
+              <a:rPr kumimoji="1" lang="en-US" altLang="zh-CN" dirty="0" err="1" smtClean="0"/>
+              <a:t>Git</a:t>
+            </a:r>
+            <a:r>
+              <a:rPr kumimoji="1" lang="zh-CN" altLang="en-US" dirty="0" smtClean="0"/>
+              <a:t>书籍</a:t>
+            </a:r>
+            <a:r>
+              <a:rPr kumimoji="1" lang="en-US" altLang="zh-CN" dirty="0" smtClean="0"/>
+              <a:t> </a:t>
+            </a:r>
+            <a:r>
+              <a:rPr kumimoji="1" lang="en-US" altLang="zh-CN" dirty="0" smtClean="0">
+                <a:hlinkClick r:id="rId6"/>
+              </a:rPr>
+              <a:t>http</a:t>
+            </a:r>
+            <a:r>
+              <a:rPr kumimoji="1" lang="en-US" altLang="zh-CN" dirty="0">
+                <a:hlinkClick r:id="rId6"/>
+              </a:rPr>
+              <a:t>://www.douban.com/doulist/1686793</a:t>
+            </a:r>
+            <a:r>
+              <a:rPr kumimoji="1" lang="en-US" altLang="zh-CN" dirty="0" smtClean="0">
+                <a:hlinkClick r:id="rId6"/>
+              </a:rPr>
+              <a:t>/</a:t>
+            </a:r>
+            <a:endParaRPr kumimoji="1" lang="en-US" altLang="zh-CN" dirty="0" smtClean="0"/>
+          </a:p>
+          <a:p>
+            <a:endParaRPr kumimoji="1" lang="en-US" altLang="zh-CN" dirty="0"/>
+          </a:p>
+        </p:txBody>
+      </p:sp>
+      <p:sp>
+        <p:nvSpPr>
+          <p:cNvPr id="4" name="幻灯片编号占位符 3"/>
+          <p:cNvSpPr>
+            <a:spLocks noGrp="1"/>
+          </p:cNvSpPr>
+          <p:nvPr>
+            <p:ph type="sldNum" sz="quarter" idx="12"/>
+          </p:nvPr>
+        </p:nvSpPr>
+        <p:spPr/>
+        <p:txBody>
+          <a:bodyPr/>
+          <a:lstStyle/>
+          <a:p>
+            <a:fld id="{31835B38-1CEB-D84F-B3FE-052700FFDDB8}" type="slidenum">
+              <a:rPr kumimoji="1" lang="zh-CN" altLang="en-US" smtClean="0"/>
+              <a:t>17</a:t>
+            </a:fld>
+            <a:endParaRPr kumimoji="1" lang="zh-CN" altLang="en-US"/>
+          </a:p>
+        </p:txBody>
+      </p:sp>
+    </p:spTree>
+    <p:extLst>
+      <p:ext uri="{BB962C8B-B14F-4D97-AF65-F5344CB8AC3E}">
+        <p14:creationId xmlns:p14="http://schemas.microsoft.com/office/powerpoint/2010/main" val="1039670585"/>
+      </p:ext>
+    </p:extLst>
+  </p:cSld>
+  <p:clrMapOvr>
+    <a:masterClrMapping/>
+  </p:clrMapOvr>
+</p:sld>
+</file>
+
+<file path=ppt/slides/slide19.xml><?xml version="1.0" encoding="utf-8"?>
+<p:sld xmlns:a="http://schemas.openxmlformats.org/drawingml/2006/main" xmlns:r="http://schemas.openxmlformats.org/officeDocument/2006/relationships" xmlns:p="http://schemas.openxmlformats.org/presentationml/2006/main">
+  <p:cSld>
+    <p:spTree>
+      <p:nvGrpSpPr>
+        <p:cNvPr id="1" name=""/>
+        <p:cNvGrpSpPr/>
+        <p:nvPr/>
+      </p:nvGrpSpPr>
+      <p:grpSpPr>
+        <a:xfrm>
+          <a:off x="0" y="0"/>
+          <a:ext cx="0" cy="0"/>
+          <a:chOff x="0" y="0"/>
+          <a:chExt cx="0" cy="0"/>
+        </a:xfrm>
+      </p:grpSpPr>
       <p:pic>
         <p:nvPicPr>
           <p:cNvPr id="5" name="图片 4"/>
@@ -13890,7 +14143,7 @@
           <a:p>
             <a:fld id="{31835B38-1CEB-D84F-B3FE-052700FFDDB8}" type="slidenum">
               <a:rPr kumimoji="1" lang="zh-CN" altLang="en-US" smtClean="0"/>
-              <a:t>17</a:t>
+              <a:t>18</a:t>
             </a:fld>
             <a:endParaRPr kumimoji="1" lang="zh-CN" altLang="en-US"/>
           </a:p>
@@ -14169,7 +14422,7 @@
             </a:pPr>
             <a:r>
               <a:rPr kumimoji="1" lang="zh-CN" altLang="en-US" dirty="0" smtClean="0"/>
-              <a:t>像神一样</a:t>
+              <a:t>像上帝一样</a:t>
             </a:r>
             <a:r>
               <a:rPr kumimoji="1" lang="zh-CN" altLang="en-US" dirty="0"/>
@@ -14442,22 +14695,34 @@
               <a:t>详见 </a:t>
             </a:r>
             <a:r>
-              <a:rPr kumimoji="1" lang="en-US" altLang="zh-CN" dirty="0" smtClean="0">
+              <a:rPr kumimoji="1" lang="en-US" altLang="zh-CN" dirty="0" smtClean="0"/>
+              <a:t>Why </a:t>
+            </a:r>
+            <a:r>
+              <a:rPr kumimoji="1" lang="en-US" altLang="zh-CN" dirty="0" err="1" smtClean="0"/>
+              <a:t>Git</a:t>
+            </a:r>
+            <a:r>
+              <a:rPr kumimoji="1" lang="en-US" altLang="zh-CN" dirty="0" smtClean="0"/>
+              <a:t> : </a:t>
+            </a:r>
+            <a:r>
+              <a:rPr kumimoji="1" lang="en-US" altLang="zh-CN" sz="1000" dirty="0" smtClean="0">
                 <a:hlinkClick r:id="rId3"/>
               </a:rPr>
               <a:t>https</a:t>
             </a:r>
             <a:r>
-              <a:rPr kumimoji="1" lang="en-US" altLang="zh-CN" dirty="0">
+              <a:rPr kumimoji="1" lang="en-US" altLang="zh-CN" sz="1000" dirty="0">
                 <a:hlinkClick r:id="rId3"/>
               </a:rPr>
-              <a:t>://github.com/oldratlee/why-</a:t>
-            </a:r>
-            <a:r>
-              <a:rPr kumimoji="1" lang="en-US" altLang="zh-CN" dirty="0" smtClean="0">
+              <a:t>://github.com/oldratlee/software-practice-miscellany/blob/master/git/</a:t>
+            </a:r>
+            <a:r>
+              <a:rPr kumimoji="1" lang="en-US" altLang="zh-CN" sz="1000" dirty="0" smtClean="0">
                 <a:hlinkClick r:id="rId3"/>
               </a:rPr>
-              <a:t>git</a:t>
+              <a:t>README.md</a:t>
             </a:r>
             <a:endParaRPr kumimoji="1" lang="en-US" altLang="zh-CN" dirty="0" smtClean="0"/>
           </a:p>
@@ -14916,11 +15181,19 @@
             </a:r>
             <a:r>
               <a:rPr kumimoji="1" lang="en-US" altLang="zh-CN" dirty="0"/>
-              <a:t>rebase --abort/git rebase </a:t>
+              <a:t>rebase </a:t>
             </a:r>
             <a:r>
               <a:rPr kumimoji="1" lang="en-US" altLang="zh-CN" dirty="0" smtClean="0"/>
-              <a:t>–continue</a:t>
+              <a:t>--abort / </a:t>
+            </a:r>
+            <a:r>
+              <a:rPr kumimoji="1" lang="en-US" altLang="zh-CN" dirty="0" err="1" smtClean="0"/>
+              <a:t>git</a:t>
+            </a:r>
+            <a:r>
+              <a:rPr kumimoji="1" lang="en-US" altLang="zh-CN" dirty="0" smtClean="0"/>
+              <a:t> rebase --continue</a:t>
             </a:r>
             <a:endParaRPr kumimoji="1" lang="en-US" altLang="zh-CN" dirty="0"/>
           </a:p>
@@ -15319,6 +15592,7 @@
                 <a:solidFill>
                   <a:srgbClr val="000090"/>
                 </a:solidFill>
+                <a:hlinkClick r:id="rId3"/>
               </a:rPr>
               <a:t>oh</a:t>
             </a:r>
@@ -15327,6 +15601,7 @@
                 <a:solidFill>
                   <a:srgbClr val="000090"/>
                 </a:solidFill>
+                <a:hlinkClick r:id="rId3"/>
               </a:rPr>
               <a:t>-my-zsh</a:t>
             </a:r>
@@ -15459,13 +15734,13 @@
             </a:r>
             <a:r>
               <a:rPr kumimoji="1" lang="en-US" altLang="zh-CN" dirty="0" smtClean="0">
-                <a:hlinkClick r:id="rId3"/>
+                <a:hlinkClick r:id="rId4"/>
               </a:rPr>
               <a:t>Git</a:t>
             </a:r>
             <a:r>
               <a:rPr kumimoji="1" lang="zh-CN" altLang="en-US" dirty="0">
-                <a:hlinkClick r:id="rId3"/>
+                <a:hlinkClick r:id="rId4"/>
               </a:rPr>
               <a:t>工作流指南</a:t>
             </a:r>
@@ -15551,7 +15826,7 @@
               <a:rPr kumimoji="1" lang="zh-CN" altLang="en-US" smtClean="0"/>
               <a:t>6</a:t>
             </a:fld>
-            <a:endParaRPr kumimoji="1" lang="zh-CN" altLang="en-US"/>
+            <a:endParaRPr kumimoji="1" lang="zh-CN" altLang="en-US" dirty="0"/>
           </a:p>
         </p:txBody>
       </p:sp>
@@ -15620,7 +15895,7 @@
             </a:r>
             <a:r>
               <a:rPr kumimoji="1" lang="zh-CN" altLang="en-US" dirty="0" smtClean="0"/>
-              <a:t>像神一样的使用</a:t>
+              <a:t>像上帝一样的使用</a:t>
             </a:r>
             <a:endParaRPr kumimoji="1" lang="zh-CN" altLang="en-US" dirty="0"/>
           </a:p>
@@ -15907,7 +16182,11 @@
             </a:pPr>
             <a:r>
               <a:rPr kumimoji="1" lang="zh-CN" altLang="en-US" dirty="0" smtClean="0"/>
-              <a:t>修改提交的作者</a:t>
+              <a:t>修改提交</a:t>
+            </a:r>
+            <a:r>
+              <a:rPr kumimoji="1" lang="zh-CN" altLang="en-US" dirty="0" smtClean="0"/>
+              <a:t>的作者</a:t>
             </a:r>
             <a:r>
               <a:rPr kumimoji="1" lang="en-US" altLang="zh-CN" dirty="0" smtClean="0"/>
@@ -15918,7 +16197,7 @@
               <a:t>公司</a:t>
             </a:r>
             <a:r>
-              <a:rPr kumimoji="1" lang="en-US" altLang="zh-CN" dirty="0" smtClean="0"/>
+              <a:rPr kumimoji="1" lang="en-US" altLang="zh-CN" dirty="0" err="1" smtClean="0"/>
               <a:t>GitLab</a:t>
             </a:r>
             <a:r>
@@ -15951,6 +16230,16 @@
             <a:br>
               <a:rPr kumimoji="1" lang="en-US" altLang="zh-CN" dirty="0" smtClean="0"/>
             </a:br>
+            <a:r>
+              <a:rPr kumimoji="1" lang="en-US" altLang="zh-CN" sz="1800" dirty="0" err="1" smtClean="0">
+                <a:solidFill>
+                  <a:srgbClr val="000090"/>
+                </a:solidFill>
+                <a:latin typeface="Monaco"/>
+                <a:cs typeface="Monaco"/>
+              </a:rPr>
+              <a:t>git</a:t>
+            </a:r>
             <a:r>
               <a:rPr kumimoji="1" lang="en-US" altLang="zh-CN" sz="1800" dirty="0" smtClean="0">
                 <a:solidFill>
@@ -15959,7 +16248,7 @@
                 <a:latin typeface="Monaco"/>
                 <a:cs typeface="Monaco"/>
               </a:rPr>
-              <a:t>git </a:t>
+              <a:t> </a:t>
             </a:r>
             <a:r>
               <a:rPr kumimoji="1" lang="en-US" altLang="zh-CN" sz="1800" dirty="0" err="1">
